--- a/analysis/energy.pptx
+++ b/analysis/energy.pptx
@@ -9,6 +9,8 @@
   </p:notesMasterIdLst>
   <p:sldIdLst>
     <p:sldId id="256" r:id="rId3"/>
+    <p:sldId id="257" r:id="rId5"/>
+    <p:sldId id="258" r:id="rId6"/>
   </p:sldIdLst>
   <p:sldSz cx="12192000" cy="6858000"/>
   <p:notesSz cx="6858000" cy="9144000"/>
@@ -4188,6 +4190,1517 @@
           </a:p>
         </p:txBody>
       </p:sp>
+      <p:pic>
+        <p:nvPicPr>
+          <p:cNvPr id="3" name="图片 2"/>
+          <p:cNvPicPr>
+            <a:picLocks noChangeAspect="1"/>
+          </p:cNvPicPr>
+          <p:nvPr/>
+        </p:nvPicPr>
+        <p:blipFill>
+          <a:blip r:embed="rId18"/>
+          <a:stretch>
+            <a:fillRect/>
+          </a:stretch>
+        </p:blipFill>
+        <p:spPr>
+          <a:xfrm>
+            <a:off x="9094470" y="6965950"/>
+            <a:ext cx="2677815" cy="1402715"/>
+          </a:xfrm>
+          <a:prstGeom prst="rect">
+            <a:avLst/>
+          </a:prstGeom>
+          <a:ln>
+            <a:solidFill>
+              <a:schemeClr val="accent1"/>
+            </a:solidFill>
+          </a:ln>
+        </p:spPr>
+      </p:pic>
+      <p:pic>
+        <p:nvPicPr>
+          <p:cNvPr id="17" name="图片 16"/>
+          <p:cNvPicPr>
+            <a:picLocks noChangeAspect="1"/>
+          </p:cNvPicPr>
+          <p:nvPr/>
+        </p:nvPicPr>
+        <p:blipFill>
+          <a:blip r:embed="rId19"/>
+          <a:stretch>
+            <a:fillRect/>
+          </a:stretch>
+        </p:blipFill>
+        <p:spPr>
+          <a:xfrm>
+            <a:off x="5524500" y="6965950"/>
+            <a:ext cx="2667868" cy="1402715"/>
+          </a:xfrm>
+          <a:prstGeom prst="rect">
+            <a:avLst/>
+          </a:prstGeom>
+          <a:ln>
+            <a:solidFill>
+              <a:schemeClr val="accent1"/>
+            </a:solidFill>
+          </a:ln>
+        </p:spPr>
+      </p:pic>
+      <p:pic>
+        <p:nvPicPr>
+          <p:cNvPr id="19" name="图片 18"/>
+          <p:cNvPicPr>
+            <a:picLocks noChangeAspect="1"/>
+          </p:cNvPicPr>
+          <p:nvPr/>
+        </p:nvPicPr>
+        <p:blipFill>
+          <a:blip r:embed="rId20"/>
+          <a:stretch>
+            <a:fillRect/>
+          </a:stretch>
+        </p:blipFill>
+        <p:spPr>
+          <a:xfrm>
+            <a:off x="7032625" y="8542655"/>
+            <a:ext cx="2671838" cy="1402715"/>
+          </a:xfrm>
+          <a:prstGeom prst="rect">
+            <a:avLst/>
+          </a:prstGeom>
+          <a:ln>
+            <a:solidFill>
+              <a:schemeClr val="accent1"/>
+            </a:solidFill>
+          </a:ln>
+        </p:spPr>
+      </p:pic>
+      <p:sp>
+        <p:nvSpPr>
+          <p:cNvPr id="20" name="文本框 19"/>
+          <p:cNvSpPr txBox="1"/>
+          <p:nvPr>
+            <p:custDataLst>
+              <p:tags r:id="rId21"/>
+            </p:custDataLst>
+          </p:nvPr>
+        </p:nvSpPr>
+        <p:spPr>
+          <a:xfrm>
+            <a:off x="7779385" y="10119360"/>
+            <a:ext cx="1179195" cy="368300"/>
+          </a:xfrm>
+          <a:prstGeom prst="rect">
+            <a:avLst/>
+          </a:prstGeom>
+          <a:noFill/>
+        </p:spPr>
+        <p:txBody>
+          <a:bodyPr wrap="square" rtlCol="0">
+            <a:spAutoFit/>
+          </a:bodyPr>
+          <a:p>
+            <a:r>
+              <a:rPr lang="en-US" altLang="zh-CN"/>
+              <a:t>iter = 24</a:t>
+            </a:r>
+            <a:endParaRPr lang="en-US" altLang="zh-CN"/>
+          </a:p>
+        </p:txBody>
+      </p:sp>
+      <p:sp>
+        <p:nvSpPr>
+          <p:cNvPr id="21" name="文本框 20"/>
+          <p:cNvSpPr txBox="1"/>
+          <p:nvPr/>
+        </p:nvSpPr>
+        <p:spPr>
+          <a:xfrm>
+            <a:off x="632460" y="7573010"/>
+            <a:ext cx="4064000" cy="368300"/>
+          </a:xfrm>
+          <a:prstGeom prst="rect">
+            <a:avLst/>
+          </a:prstGeom>
+          <a:noFill/>
+        </p:spPr>
+        <p:txBody>
+          <a:bodyPr wrap="square" rtlCol="0">
+            <a:spAutoFit/>
+          </a:bodyPr>
+          <a:p>
+            <a:r>
+              <a:rPr lang="en-US" altLang="zh-CN"/>
+              <a:t>60</a:t>
+            </a:r>
+            <a:endParaRPr lang="en-US" altLang="zh-CN"/>
+          </a:p>
+        </p:txBody>
+      </p:sp>
+      <p:pic>
+        <p:nvPicPr>
+          <p:cNvPr id="22" name="图片 21"/>
+          <p:cNvPicPr>
+            <a:picLocks noChangeAspect="1"/>
+          </p:cNvPicPr>
+          <p:nvPr/>
+        </p:nvPicPr>
+        <p:blipFill>
+          <a:blip r:embed="rId22"/>
+          <a:stretch>
+            <a:fillRect/>
+          </a:stretch>
+        </p:blipFill>
+        <p:spPr>
+          <a:xfrm>
+            <a:off x="12388850" y="471170"/>
+            <a:ext cx="2681815" cy="1402715"/>
+          </a:xfrm>
+          <a:prstGeom prst="rect">
+            <a:avLst/>
+          </a:prstGeom>
+        </p:spPr>
+      </p:pic>
+      <p:sp>
+        <p:nvSpPr>
+          <p:cNvPr id="26" name="文本框 25"/>
+          <p:cNvSpPr txBox="1"/>
+          <p:nvPr/>
+        </p:nvSpPr>
+        <p:spPr>
+          <a:xfrm>
+            <a:off x="14359255" y="607695"/>
+            <a:ext cx="589280" cy="368300"/>
+          </a:xfrm>
+          <a:prstGeom prst="rect">
+            <a:avLst/>
+          </a:prstGeom>
+          <a:noFill/>
+        </p:spPr>
+        <p:txBody>
+          <a:bodyPr wrap="square" rtlCol="0">
+            <a:spAutoFit/>
+          </a:bodyPr>
+          <a:p>
+            <a:r>
+              <a:rPr lang="en-US" altLang="zh-CN"/>
+              <a:t>64</a:t>
+            </a:r>
+            <a:endParaRPr lang="en-US" altLang="zh-CN"/>
+          </a:p>
+        </p:txBody>
+      </p:sp>
+      <p:pic>
+        <p:nvPicPr>
+          <p:cNvPr id="32" name="图片 31"/>
+          <p:cNvPicPr>
+            <a:picLocks noChangeAspect="1"/>
+          </p:cNvPicPr>
+          <p:nvPr/>
+        </p:nvPicPr>
+        <p:blipFill>
+          <a:blip r:embed="rId23"/>
+          <a:stretch>
+            <a:fillRect/>
+          </a:stretch>
+        </p:blipFill>
+        <p:spPr>
+          <a:xfrm>
+            <a:off x="12392660" y="2070100"/>
+            <a:ext cx="2677815" cy="1402715"/>
+          </a:xfrm>
+          <a:prstGeom prst="rect">
+            <a:avLst/>
+          </a:prstGeom>
+        </p:spPr>
+      </p:pic>
+      <p:sp>
+        <p:nvSpPr>
+          <p:cNvPr id="33" name="文本框 32"/>
+          <p:cNvSpPr txBox="1"/>
+          <p:nvPr/>
+        </p:nvSpPr>
+        <p:spPr>
+          <a:xfrm>
+            <a:off x="14224635" y="2263140"/>
+            <a:ext cx="4064000" cy="368300"/>
+          </a:xfrm>
+          <a:prstGeom prst="rect">
+            <a:avLst/>
+          </a:prstGeom>
+          <a:noFill/>
+        </p:spPr>
+        <p:txBody>
+          <a:bodyPr wrap="square" rtlCol="0">
+            <a:spAutoFit/>
+          </a:bodyPr>
+          <a:p>
+            <a:r>
+              <a:rPr lang="en-US" altLang="zh-CN"/>
+              <a:t>128</a:t>
+            </a:r>
+            <a:endParaRPr lang="en-US" altLang="zh-CN"/>
+          </a:p>
+        </p:txBody>
+      </p:sp>
+    </p:spTree>
+  </p:cSld>
+  <p:clrMapOvr>
+    <a:masterClrMapping/>
+  </p:clrMapOvr>
+</p:sld>
+</file>
+
+<file path=ppt/slides/slide2.xml><?xml version="1.0" encoding="utf-8"?>
+<p:sld xmlns:a="http://schemas.openxmlformats.org/drawingml/2006/main" xmlns:r="http://schemas.openxmlformats.org/officeDocument/2006/relationships" xmlns:p="http://schemas.openxmlformats.org/presentationml/2006/main">
+  <p:cSld>
+    <p:spTree>
+      <p:nvGrpSpPr>
+        <p:cNvPr id="1" name=""/>
+        <p:cNvGrpSpPr/>
+        <p:nvPr/>
+      </p:nvGrpSpPr>
+      <p:grpSpPr/>
+      <p:sp>
+        <p:nvSpPr>
+          <p:cNvPr id="5" name="文本框 4"/>
+          <p:cNvSpPr txBox="1"/>
+          <p:nvPr/>
+        </p:nvSpPr>
+        <p:spPr>
+          <a:xfrm>
+            <a:off x="101600" y="61595"/>
+            <a:ext cx="1235710" cy="645160"/>
+          </a:xfrm>
+          <a:prstGeom prst="rect">
+            <a:avLst/>
+          </a:prstGeom>
+          <a:noFill/>
+        </p:spPr>
+        <p:txBody>
+          <a:bodyPr wrap="square" rtlCol="0">
+            <a:spAutoFit/>
+          </a:bodyPr>
+          <a:p>
+            <a:r>
+              <a:rPr lang="en-US" altLang="zh-CN"/>
+              <a:t>dt = 1/30s</a:t>
+            </a:r>
+            <a:endParaRPr lang="en-US" altLang="zh-CN"/>
+          </a:p>
+          <a:p>
+            <a:r>
+              <a:rPr lang="en-US" altLang="zh-CN"/>
+              <a:t>300 frame</a:t>
+            </a:r>
+            <a:endParaRPr lang="en-US" altLang="zh-CN"/>
+          </a:p>
+        </p:txBody>
+      </p:sp>
+      <p:pic>
+        <p:nvPicPr>
+          <p:cNvPr id="18" name="图片 17"/>
+          <p:cNvPicPr>
+            <a:picLocks noChangeAspect="1"/>
+          </p:cNvPicPr>
+          <p:nvPr>
+            <p:custDataLst>
+              <p:tags r:id="rId1"/>
+            </p:custDataLst>
+          </p:nvPr>
+        </p:nvPicPr>
+        <p:blipFill>
+          <a:blip r:embed="rId2"/>
+          <a:stretch>
+            <a:fillRect/>
+          </a:stretch>
+        </p:blipFill>
+        <p:spPr>
+          <a:xfrm>
+            <a:off x="3552190" y="622935"/>
+            <a:ext cx="1933575" cy="1125220"/>
+          </a:xfrm>
+          <a:prstGeom prst="rect">
+            <a:avLst/>
+          </a:prstGeom>
+          <a:ln>
+            <a:solidFill>
+              <a:schemeClr val="accent1"/>
+            </a:solidFill>
+          </a:ln>
+        </p:spPr>
+      </p:pic>
+      <p:pic>
+        <p:nvPicPr>
+          <p:cNvPr id="27" name="图片 26"/>
+          <p:cNvPicPr>
+            <a:picLocks noChangeAspect="1"/>
+          </p:cNvPicPr>
+          <p:nvPr>
+            <p:custDataLst>
+              <p:tags r:id="rId3"/>
+            </p:custDataLst>
+          </p:nvPr>
+        </p:nvPicPr>
+        <p:blipFill>
+          <a:blip r:embed="rId4"/>
+          <a:stretch>
+            <a:fillRect/>
+          </a:stretch>
+        </p:blipFill>
+        <p:spPr>
+          <a:xfrm>
+            <a:off x="5599430" y="622935"/>
+            <a:ext cx="1945005" cy="1125220"/>
+          </a:xfrm>
+          <a:prstGeom prst="rect">
+            <a:avLst/>
+          </a:prstGeom>
+          <a:ln>
+            <a:solidFill>
+              <a:schemeClr val="accent6"/>
+            </a:solidFill>
+          </a:ln>
+        </p:spPr>
+      </p:pic>
+      <p:pic>
+        <p:nvPicPr>
+          <p:cNvPr id="28" name="图片 27"/>
+          <p:cNvPicPr>
+            <a:picLocks noChangeAspect="1"/>
+          </p:cNvPicPr>
+          <p:nvPr>
+            <p:custDataLst>
+              <p:tags r:id="rId5"/>
+            </p:custDataLst>
+          </p:nvPr>
+        </p:nvPicPr>
+        <p:blipFill>
+          <a:blip r:embed="rId6"/>
+          <a:stretch>
+            <a:fillRect/>
+          </a:stretch>
+        </p:blipFill>
+        <p:spPr>
+          <a:xfrm>
+            <a:off x="1497330" y="622935"/>
+            <a:ext cx="1941195" cy="1125220"/>
+          </a:xfrm>
+          <a:prstGeom prst="rect">
+            <a:avLst/>
+          </a:prstGeom>
+          <a:ln>
+            <a:solidFill>
+              <a:schemeClr val="accent4"/>
+            </a:solidFill>
+          </a:ln>
+        </p:spPr>
+      </p:pic>
+      <p:sp>
+        <p:nvSpPr>
+          <p:cNvPr id="29" name="文本框 28"/>
+          <p:cNvSpPr txBox="1"/>
+          <p:nvPr/>
+        </p:nvSpPr>
+        <p:spPr>
+          <a:xfrm>
+            <a:off x="101600" y="826135"/>
+            <a:ext cx="1478280" cy="922020"/>
+          </a:xfrm>
+          <a:prstGeom prst="rect">
+            <a:avLst/>
+          </a:prstGeom>
+          <a:noFill/>
+        </p:spPr>
+        <p:txBody>
+          <a:bodyPr wrap="square" rtlCol="0">
+            <a:spAutoFit/>
+          </a:bodyPr>
+          <a:p>
+            <a:r>
+              <a:rPr lang="en-US" altLang="zh-CN"/>
+              <a:t>120_12_12</a:t>
+            </a:r>
+            <a:endParaRPr lang="en-US" altLang="zh-CN"/>
+          </a:p>
+          <a:p>
+            <a:r>
+              <a:rPr lang="en-US" altLang="zh-CN"/>
+              <a:t>vert 10937</a:t>
+            </a:r>
+            <a:endParaRPr lang="en-US" altLang="zh-CN"/>
+          </a:p>
+          <a:p>
+            <a:r>
+              <a:rPr lang="en-US" altLang="zh-CN"/>
+              <a:t>tet 60183</a:t>
+            </a:r>
+            <a:endParaRPr lang="en-US" altLang="zh-CN"/>
+          </a:p>
+        </p:txBody>
+      </p:sp>
+      <p:sp>
+        <p:nvSpPr>
+          <p:cNvPr id="9" name="文本框 8"/>
+          <p:cNvSpPr txBox="1"/>
+          <p:nvPr>
+            <p:custDataLst>
+              <p:tags r:id="rId7"/>
+            </p:custDataLst>
+          </p:nvPr>
+        </p:nvSpPr>
+        <p:spPr>
+          <a:xfrm>
+            <a:off x="2357120" y="622935"/>
+            <a:ext cx="1081405" cy="521970"/>
+          </a:xfrm>
+          <a:prstGeom prst="rect">
+            <a:avLst/>
+          </a:prstGeom>
+          <a:noFill/>
+        </p:spPr>
+        <p:txBody>
+          <a:bodyPr wrap="square" rtlCol="0">
+            <a:spAutoFit/>
+          </a:bodyPr>
+          <a:p>
+            <a:pPr algn="r"/>
+            <a:r>
+              <a:rPr lang="en-US" altLang="zh-CN" sz="1400"/>
+              <a:t>iter = 8</a:t>
+            </a:r>
+            <a:endParaRPr lang="en-US" altLang="zh-CN" sz="1400"/>
+          </a:p>
+          <a:p>
+            <a:pPr algn="r"/>
+            <a:r>
+              <a:rPr lang="en-US" altLang="zh-CN" sz="1400"/>
+              <a:t>15.34 15.25</a:t>
+            </a:r>
+            <a:endParaRPr lang="en-US" altLang="zh-CN" sz="1400"/>
+          </a:p>
+        </p:txBody>
+      </p:sp>
+      <p:sp>
+        <p:nvSpPr>
+          <p:cNvPr id="4" name="文本框 3"/>
+          <p:cNvSpPr txBox="1"/>
+          <p:nvPr>
+            <p:custDataLst>
+              <p:tags r:id="rId8"/>
+            </p:custDataLst>
+          </p:nvPr>
+        </p:nvSpPr>
+        <p:spPr>
+          <a:xfrm>
+            <a:off x="4404360" y="622935"/>
+            <a:ext cx="1081405" cy="521970"/>
+          </a:xfrm>
+          <a:prstGeom prst="rect">
+            <a:avLst/>
+          </a:prstGeom>
+          <a:noFill/>
+        </p:spPr>
+        <p:txBody>
+          <a:bodyPr wrap="square" rtlCol="0">
+            <a:spAutoFit/>
+          </a:bodyPr>
+          <a:p>
+            <a:pPr algn="r"/>
+            <a:r>
+              <a:rPr lang="en-US" altLang="zh-CN" sz="1400"/>
+              <a:t>iter = 16</a:t>
+            </a:r>
+            <a:endParaRPr lang="en-US" altLang="zh-CN" sz="1400"/>
+          </a:p>
+          <a:p>
+            <a:pPr algn="r"/>
+            <a:r>
+              <a:rPr lang="en-US" altLang="zh-CN" sz="1400"/>
+              <a:t>6.99 6.79</a:t>
+            </a:r>
+            <a:endParaRPr lang="en-US" altLang="zh-CN" sz="1400"/>
+          </a:p>
+        </p:txBody>
+      </p:sp>
+      <p:sp>
+        <p:nvSpPr>
+          <p:cNvPr id="6" name="文本框 5"/>
+          <p:cNvSpPr txBox="1"/>
+          <p:nvPr>
+            <p:custDataLst>
+              <p:tags r:id="rId9"/>
+            </p:custDataLst>
+          </p:nvPr>
+        </p:nvSpPr>
+        <p:spPr>
+          <a:xfrm>
+            <a:off x="6451600" y="622935"/>
+            <a:ext cx="1081405" cy="521970"/>
+          </a:xfrm>
+          <a:prstGeom prst="rect">
+            <a:avLst/>
+          </a:prstGeom>
+          <a:noFill/>
+        </p:spPr>
+        <p:txBody>
+          <a:bodyPr wrap="square" rtlCol="0">
+            <a:spAutoFit/>
+          </a:bodyPr>
+          <a:p>
+            <a:pPr algn="r"/>
+            <a:r>
+              <a:rPr lang="en-US" altLang="zh-CN" sz="1400"/>
+              <a:t>iter = 32</a:t>
+            </a:r>
+            <a:endParaRPr lang="en-US" altLang="zh-CN" sz="1400"/>
+          </a:p>
+          <a:p>
+            <a:pPr algn="r"/>
+            <a:r>
+              <a:rPr lang="en-US" altLang="zh-CN" sz="1400"/>
+              <a:t>3.84 3.52</a:t>
+            </a:r>
+            <a:endParaRPr lang="en-US" altLang="zh-CN" sz="1400"/>
+          </a:p>
+        </p:txBody>
+      </p:sp>
+      <p:pic>
+        <p:nvPicPr>
+          <p:cNvPr id="11" name="图片 10"/>
+          <p:cNvPicPr>
+            <a:picLocks noChangeAspect="1"/>
+          </p:cNvPicPr>
+          <p:nvPr/>
+        </p:nvPicPr>
+        <p:blipFill>
+          <a:blip r:embed="rId10"/>
+          <a:stretch>
+            <a:fillRect/>
+          </a:stretch>
+        </p:blipFill>
+        <p:spPr>
+          <a:xfrm>
+            <a:off x="7700645" y="622935"/>
+            <a:ext cx="2143276" cy="1125220"/>
+          </a:xfrm>
+          <a:prstGeom prst="rect">
+            <a:avLst/>
+          </a:prstGeom>
+          <a:ln>
+            <a:solidFill>
+              <a:schemeClr val="accent1"/>
+            </a:solidFill>
+          </a:ln>
+        </p:spPr>
+      </p:pic>
+      <p:sp>
+        <p:nvSpPr>
+          <p:cNvPr id="10" name="文本框 9"/>
+          <p:cNvSpPr txBox="1"/>
+          <p:nvPr>
+            <p:custDataLst>
+              <p:tags r:id="rId11"/>
+            </p:custDataLst>
+          </p:nvPr>
+        </p:nvSpPr>
+        <p:spPr>
+          <a:xfrm>
+            <a:off x="10546080" y="622935"/>
+            <a:ext cx="1081405" cy="521970"/>
+          </a:xfrm>
+          <a:prstGeom prst="rect">
+            <a:avLst/>
+          </a:prstGeom>
+          <a:noFill/>
+        </p:spPr>
+        <p:txBody>
+          <a:bodyPr wrap="square" rtlCol="0">
+            <a:spAutoFit/>
+          </a:bodyPr>
+          <a:p>
+            <a:pPr algn="r"/>
+            <a:r>
+              <a:rPr lang="en-US" altLang="zh-CN" sz="1400"/>
+              <a:t>iter = 64</a:t>
+            </a:r>
+            <a:endParaRPr lang="en-US" altLang="zh-CN" sz="1400"/>
+          </a:p>
+          <a:p>
+            <a:pPr algn="r"/>
+            <a:r>
+              <a:rPr lang="en-US" altLang="zh-CN" sz="1400"/>
+              <a:t>3.62 3.26</a:t>
+            </a:r>
+            <a:endParaRPr lang="en-US" altLang="zh-CN" sz="1400"/>
+          </a:p>
+        </p:txBody>
+      </p:sp>
+      <p:sp>
+        <p:nvSpPr>
+          <p:cNvPr id="12" name="文本框 11"/>
+          <p:cNvSpPr txBox="1"/>
+          <p:nvPr>
+            <p:custDataLst>
+              <p:tags r:id="rId12"/>
+            </p:custDataLst>
+          </p:nvPr>
+        </p:nvSpPr>
+        <p:spPr>
+          <a:xfrm>
+            <a:off x="8762365" y="622935"/>
+            <a:ext cx="1081405" cy="521970"/>
+          </a:xfrm>
+          <a:prstGeom prst="rect">
+            <a:avLst/>
+          </a:prstGeom>
+          <a:noFill/>
+        </p:spPr>
+        <p:txBody>
+          <a:bodyPr wrap="square" rtlCol="0">
+            <a:spAutoFit/>
+          </a:bodyPr>
+          <a:p>
+            <a:pPr algn="r"/>
+            <a:r>
+              <a:rPr lang="en-US" altLang="zh-CN" sz="1400"/>
+              <a:t>iter = 48</a:t>
+            </a:r>
+            <a:endParaRPr lang="en-US" altLang="zh-CN" sz="1400"/>
+          </a:p>
+          <a:p>
+            <a:pPr algn="r"/>
+            <a:r>
+              <a:rPr lang="en-US" altLang="zh-CN" sz="1400"/>
+              <a:t>3.46 3.10</a:t>
+            </a:r>
+            <a:endParaRPr lang="en-US" altLang="zh-CN" sz="1400"/>
+          </a:p>
+        </p:txBody>
+      </p:sp>
+      <p:sp>
+        <p:nvSpPr>
+          <p:cNvPr id="14" name="文本框 13"/>
+          <p:cNvSpPr txBox="1"/>
+          <p:nvPr/>
+        </p:nvSpPr>
+        <p:spPr>
+          <a:xfrm>
+            <a:off x="243840" y="2320290"/>
+            <a:ext cx="894715" cy="368300"/>
+          </a:xfrm>
+          <a:prstGeom prst="rect">
+            <a:avLst/>
+          </a:prstGeom>
+          <a:noFill/>
+        </p:spPr>
+        <p:txBody>
+          <a:bodyPr wrap="square" rtlCol="0">
+            <a:spAutoFit/>
+          </a:bodyPr>
+          <a:p>
+            <a:r>
+              <a:rPr lang="en-US" altLang="zh-CN"/>
+              <a:t>40_16</a:t>
+            </a:r>
+            <a:endParaRPr lang="en-US" altLang="zh-CN"/>
+          </a:p>
+        </p:txBody>
+      </p:sp>
+      <p:pic>
+        <p:nvPicPr>
+          <p:cNvPr id="15" name="图片 14"/>
+          <p:cNvPicPr>
+            <a:picLocks noChangeAspect="1"/>
+          </p:cNvPicPr>
+          <p:nvPr/>
+        </p:nvPicPr>
+        <p:blipFill>
+          <a:blip r:embed="rId13"/>
+          <a:stretch>
+            <a:fillRect/>
+          </a:stretch>
+        </p:blipFill>
+        <p:spPr>
+          <a:xfrm>
+            <a:off x="1337310" y="2320290"/>
+            <a:ext cx="2146470" cy="1125220"/>
+          </a:xfrm>
+          <a:prstGeom prst="rect">
+            <a:avLst/>
+          </a:prstGeom>
+          <a:ln>
+            <a:solidFill>
+              <a:schemeClr val="accent1"/>
+            </a:solidFill>
+          </a:ln>
+        </p:spPr>
+      </p:pic>
+      <p:sp>
+        <p:nvSpPr>
+          <p:cNvPr id="16" name="文本框 15"/>
+          <p:cNvSpPr txBox="1"/>
+          <p:nvPr>
+            <p:custDataLst>
+              <p:tags r:id="rId14"/>
+            </p:custDataLst>
+          </p:nvPr>
+        </p:nvSpPr>
+        <p:spPr>
+          <a:xfrm>
+            <a:off x="2402205" y="2320290"/>
+            <a:ext cx="1081405" cy="521970"/>
+          </a:xfrm>
+          <a:prstGeom prst="rect">
+            <a:avLst/>
+          </a:prstGeom>
+          <a:noFill/>
+        </p:spPr>
+        <p:txBody>
+          <a:bodyPr wrap="square" rtlCol="0">
+            <a:spAutoFit/>
+          </a:bodyPr>
+          <a:p>
+            <a:pPr algn="r"/>
+            <a:r>
+              <a:rPr lang="en-US" altLang="zh-CN" sz="1400"/>
+              <a:t>iter = 8</a:t>
+            </a:r>
+            <a:endParaRPr lang="en-US" altLang="zh-CN" sz="1400"/>
+          </a:p>
+          <a:p>
+            <a:pPr algn="r"/>
+            <a:r>
+              <a:rPr lang="en-US" altLang="zh-CN" sz="1400"/>
+              <a:t>3.02 2.63</a:t>
+            </a:r>
+            <a:endParaRPr lang="en-US" altLang="zh-CN" sz="1400"/>
+          </a:p>
+        </p:txBody>
+      </p:sp>
+      <p:pic>
+        <p:nvPicPr>
+          <p:cNvPr id="17" name="图片 16"/>
+          <p:cNvPicPr>
+            <a:picLocks noChangeAspect="1"/>
+          </p:cNvPicPr>
+          <p:nvPr/>
+        </p:nvPicPr>
+        <p:blipFill>
+          <a:blip r:embed="rId15"/>
+          <a:stretch>
+            <a:fillRect/>
+          </a:stretch>
+        </p:blipFill>
+        <p:spPr>
+          <a:xfrm>
+            <a:off x="3552190" y="2320290"/>
+            <a:ext cx="2140091" cy="1125220"/>
+          </a:xfrm>
+          <a:prstGeom prst="rect">
+            <a:avLst/>
+          </a:prstGeom>
+          <a:ln>
+            <a:solidFill>
+              <a:schemeClr val="accent1"/>
+            </a:solidFill>
+          </a:ln>
+        </p:spPr>
+      </p:pic>
+      <p:sp>
+        <p:nvSpPr>
+          <p:cNvPr id="19" name="文本框 18"/>
+          <p:cNvSpPr txBox="1"/>
+          <p:nvPr>
+            <p:custDataLst>
+              <p:tags r:id="rId16"/>
+            </p:custDataLst>
+          </p:nvPr>
+        </p:nvSpPr>
+        <p:spPr>
+          <a:xfrm>
+            <a:off x="4610735" y="2320290"/>
+            <a:ext cx="1081405" cy="521970"/>
+          </a:xfrm>
+          <a:prstGeom prst="rect">
+            <a:avLst/>
+          </a:prstGeom>
+          <a:noFill/>
+        </p:spPr>
+        <p:txBody>
+          <a:bodyPr wrap="square" rtlCol="0">
+            <a:spAutoFit/>
+          </a:bodyPr>
+          <a:p>
+            <a:pPr algn="r"/>
+            <a:r>
+              <a:rPr lang="en-US" altLang="zh-CN" sz="1400"/>
+              <a:t>iter = 16</a:t>
+            </a:r>
+            <a:endParaRPr lang="en-US" altLang="zh-CN" sz="1400"/>
+          </a:p>
+          <a:p>
+            <a:pPr algn="r"/>
+            <a:r>
+              <a:rPr lang="en-US" altLang="zh-CN" sz="1400"/>
+              <a:t>3.17 2.79</a:t>
+            </a:r>
+            <a:endParaRPr lang="en-US" altLang="zh-CN" sz="1400"/>
+          </a:p>
+        </p:txBody>
+      </p:sp>
+      <p:pic>
+        <p:nvPicPr>
+          <p:cNvPr id="20" name="图片 19"/>
+          <p:cNvPicPr>
+            <a:picLocks noChangeAspect="1"/>
+          </p:cNvPicPr>
+          <p:nvPr/>
+        </p:nvPicPr>
+        <p:blipFill>
+          <a:blip r:embed="rId17"/>
+          <a:stretch>
+            <a:fillRect/>
+          </a:stretch>
+        </p:blipFill>
+        <p:spPr>
+          <a:xfrm>
+            <a:off x="5760720" y="2320290"/>
+            <a:ext cx="2148026" cy="1125220"/>
+          </a:xfrm>
+          <a:prstGeom prst="rect">
+            <a:avLst/>
+          </a:prstGeom>
+          <a:ln>
+            <a:solidFill>
+              <a:schemeClr val="accent1"/>
+            </a:solidFill>
+          </a:ln>
+        </p:spPr>
+      </p:pic>
+      <p:sp>
+        <p:nvSpPr>
+          <p:cNvPr id="21" name="文本框 20"/>
+          <p:cNvSpPr txBox="1"/>
+          <p:nvPr>
+            <p:custDataLst>
+              <p:tags r:id="rId18"/>
+            </p:custDataLst>
+          </p:nvPr>
+        </p:nvSpPr>
+        <p:spPr>
+          <a:xfrm>
+            <a:off x="6819265" y="2320290"/>
+            <a:ext cx="1081405" cy="521970"/>
+          </a:xfrm>
+          <a:prstGeom prst="rect">
+            <a:avLst/>
+          </a:prstGeom>
+          <a:noFill/>
+        </p:spPr>
+        <p:txBody>
+          <a:bodyPr wrap="square" rtlCol="0">
+            <a:spAutoFit/>
+          </a:bodyPr>
+          <a:p>
+            <a:pPr algn="r"/>
+            <a:r>
+              <a:rPr lang="en-US" altLang="zh-CN" sz="1400"/>
+              <a:t>iter = 32</a:t>
+            </a:r>
+            <a:endParaRPr lang="en-US" altLang="zh-CN" sz="1400"/>
+          </a:p>
+          <a:p>
+            <a:pPr algn="r"/>
+            <a:r>
+              <a:rPr lang="en-US" altLang="zh-CN" sz="1400"/>
+              <a:t>3.62 3.26</a:t>
+            </a:r>
+            <a:endParaRPr lang="en-US" altLang="zh-CN" sz="1400"/>
+          </a:p>
+        </p:txBody>
+      </p:sp>
+      <p:sp>
+        <p:nvSpPr>
+          <p:cNvPr id="22" name="文本框 21"/>
+          <p:cNvSpPr txBox="1"/>
+          <p:nvPr/>
+        </p:nvSpPr>
+        <p:spPr>
+          <a:xfrm>
+            <a:off x="262255" y="3884930"/>
+            <a:ext cx="876300" cy="368300"/>
+          </a:xfrm>
+          <a:prstGeom prst="rect">
+            <a:avLst/>
+          </a:prstGeom>
+          <a:noFill/>
+        </p:spPr>
+        <p:txBody>
+          <a:bodyPr wrap="square" rtlCol="0">
+            <a:spAutoFit/>
+          </a:bodyPr>
+          <a:p>
+            <a:r>
+              <a:rPr lang="en-US" altLang="zh-CN"/>
+              <a:t>60_24</a:t>
+            </a:r>
+            <a:endParaRPr lang="en-US" altLang="zh-CN"/>
+          </a:p>
+        </p:txBody>
+      </p:sp>
+      <p:pic>
+        <p:nvPicPr>
+          <p:cNvPr id="23" name="图片 22"/>
+          <p:cNvPicPr>
+            <a:picLocks noChangeAspect="1"/>
+          </p:cNvPicPr>
+          <p:nvPr/>
+        </p:nvPicPr>
+        <p:blipFill>
+          <a:blip r:embed="rId19"/>
+          <a:stretch>
+            <a:fillRect/>
+          </a:stretch>
+        </p:blipFill>
+        <p:spPr>
+          <a:xfrm>
+            <a:off x="1340485" y="3758565"/>
+            <a:ext cx="2143276" cy="1125220"/>
+          </a:xfrm>
+          <a:prstGeom prst="rect">
+            <a:avLst/>
+          </a:prstGeom>
+          <a:ln>
+            <a:solidFill>
+              <a:schemeClr val="accent1"/>
+            </a:solidFill>
+          </a:ln>
+        </p:spPr>
+      </p:pic>
+      <p:sp>
+        <p:nvSpPr>
+          <p:cNvPr id="24" name="文本框 23"/>
+          <p:cNvSpPr txBox="1"/>
+          <p:nvPr>
+            <p:custDataLst>
+              <p:tags r:id="rId20"/>
+            </p:custDataLst>
+          </p:nvPr>
+        </p:nvSpPr>
+        <p:spPr>
+          <a:xfrm>
+            <a:off x="2402205" y="3758565"/>
+            <a:ext cx="1081405" cy="521970"/>
+          </a:xfrm>
+          <a:prstGeom prst="rect">
+            <a:avLst/>
+          </a:prstGeom>
+          <a:noFill/>
+        </p:spPr>
+        <p:txBody>
+          <a:bodyPr wrap="square" rtlCol="0">
+            <a:spAutoFit/>
+          </a:bodyPr>
+          <a:p>
+            <a:pPr algn="r"/>
+            <a:r>
+              <a:rPr lang="en-US" altLang="zh-CN" sz="1400"/>
+              <a:t>iter = 8</a:t>
+            </a:r>
+            <a:endParaRPr lang="en-US" altLang="zh-CN" sz="1400"/>
+          </a:p>
+          <a:p>
+            <a:pPr algn="r"/>
+            <a:r>
+              <a:rPr lang="en-US" altLang="zh-CN" sz="1400"/>
+              <a:t>3.19 2.81</a:t>
+            </a:r>
+            <a:endParaRPr lang="en-US" altLang="zh-CN" sz="1400"/>
+          </a:p>
+        </p:txBody>
+      </p:sp>
+      <p:pic>
+        <p:nvPicPr>
+          <p:cNvPr id="25" name="图片 24"/>
+          <p:cNvPicPr>
+            <a:picLocks noChangeAspect="1"/>
+          </p:cNvPicPr>
+          <p:nvPr/>
+        </p:nvPicPr>
+        <p:blipFill>
+          <a:blip r:embed="rId21"/>
+          <a:stretch>
+            <a:fillRect/>
+          </a:stretch>
+        </p:blipFill>
+        <p:spPr>
+          <a:xfrm>
+            <a:off x="3545840" y="3758565"/>
+            <a:ext cx="2146470" cy="1125220"/>
+          </a:xfrm>
+          <a:prstGeom prst="rect">
+            <a:avLst/>
+          </a:prstGeom>
+          <a:ln>
+            <a:solidFill>
+              <a:schemeClr val="accent1"/>
+            </a:solidFill>
+          </a:ln>
+        </p:spPr>
+      </p:pic>
+      <p:sp>
+        <p:nvSpPr>
+          <p:cNvPr id="26" name="文本框 25"/>
+          <p:cNvSpPr txBox="1"/>
+          <p:nvPr>
+            <p:custDataLst>
+              <p:tags r:id="rId22"/>
+            </p:custDataLst>
+          </p:nvPr>
+        </p:nvSpPr>
+        <p:spPr>
+          <a:xfrm>
+            <a:off x="4610735" y="3758565"/>
+            <a:ext cx="1081405" cy="521970"/>
+          </a:xfrm>
+          <a:prstGeom prst="rect">
+            <a:avLst/>
+          </a:prstGeom>
+          <a:noFill/>
+        </p:spPr>
+        <p:txBody>
+          <a:bodyPr wrap="square" rtlCol="0">
+            <a:spAutoFit/>
+          </a:bodyPr>
+          <a:p>
+            <a:pPr algn="r"/>
+            <a:r>
+              <a:rPr lang="en-US" altLang="zh-CN" sz="1400"/>
+              <a:t>iter = 16</a:t>
+            </a:r>
+            <a:endParaRPr lang="en-US" altLang="zh-CN" sz="1400"/>
+          </a:p>
+          <a:p>
+            <a:pPr algn="r"/>
+            <a:r>
+              <a:rPr lang="en-US" altLang="zh-CN" sz="1400"/>
+              <a:t>3.31 2.94</a:t>
+            </a:r>
+            <a:endParaRPr lang="en-US" altLang="zh-CN" sz="1400"/>
+          </a:p>
+        </p:txBody>
+      </p:sp>
+      <p:pic>
+        <p:nvPicPr>
+          <p:cNvPr id="30" name="图片 29"/>
+          <p:cNvPicPr>
+            <a:picLocks noChangeAspect="1"/>
+          </p:cNvPicPr>
+          <p:nvPr/>
+        </p:nvPicPr>
+        <p:blipFill>
+          <a:blip r:embed="rId23"/>
+          <a:stretch>
+            <a:fillRect/>
+          </a:stretch>
+        </p:blipFill>
+        <p:spPr>
+          <a:xfrm>
+            <a:off x="9913620" y="3758565"/>
+            <a:ext cx="2138503" cy="1125220"/>
+          </a:xfrm>
+          <a:prstGeom prst="rect">
+            <a:avLst/>
+          </a:prstGeom>
+          <a:ln>
+            <a:solidFill>
+              <a:schemeClr val="accent1"/>
+            </a:solidFill>
+          </a:ln>
+        </p:spPr>
+      </p:pic>
+      <p:sp>
+        <p:nvSpPr>
+          <p:cNvPr id="32" name="文本框 31"/>
+          <p:cNvSpPr txBox="1"/>
+          <p:nvPr>
+            <p:custDataLst>
+              <p:tags r:id="rId24"/>
+            </p:custDataLst>
+          </p:nvPr>
+        </p:nvSpPr>
+        <p:spPr>
+          <a:xfrm>
+            <a:off x="10970895" y="3758565"/>
+            <a:ext cx="1081405" cy="521970"/>
+          </a:xfrm>
+          <a:prstGeom prst="rect">
+            <a:avLst/>
+          </a:prstGeom>
+          <a:noFill/>
+        </p:spPr>
+        <p:txBody>
+          <a:bodyPr wrap="square" rtlCol="0">
+            <a:spAutoFit/>
+          </a:bodyPr>
+          <a:p>
+            <a:pPr algn="r"/>
+            <a:r>
+              <a:rPr lang="en-US" altLang="zh-CN" sz="1400"/>
+              <a:t>iter = 64</a:t>
+            </a:r>
+            <a:endParaRPr lang="en-US" altLang="zh-CN" sz="1400"/>
+          </a:p>
+          <a:p>
+            <a:pPr algn="r"/>
+            <a:r>
+              <a:rPr lang="en-US" altLang="zh-CN" sz="1400"/>
+              <a:t>3.73 3.39</a:t>
+            </a:r>
+            <a:endParaRPr lang="en-US" altLang="zh-CN" sz="1400"/>
+          </a:p>
+        </p:txBody>
+      </p:sp>
+    </p:spTree>
+  </p:cSld>
+  <p:clrMapOvr>
+    <a:masterClrMapping/>
+  </p:clrMapOvr>
+</p:sld>
+</file>
+
+<file path=ppt/slides/slide3.xml><?xml version="1.0" encoding="utf-8"?>
+<p:sld xmlns:a="http://schemas.openxmlformats.org/drawingml/2006/main" xmlns:r="http://schemas.openxmlformats.org/officeDocument/2006/relationships" xmlns:p="http://schemas.openxmlformats.org/presentationml/2006/main">
+  <p:cSld>
+    <p:spTree>
+      <p:nvGrpSpPr>
+        <p:cNvPr id="1" name=""/>
+        <p:cNvGrpSpPr/>
+        <p:nvPr/>
+      </p:nvGrpSpPr>
+      <p:grpSpPr/>
+      <p:pic>
+        <p:nvPicPr>
+          <p:cNvPr id="4" name="图片 3"/>
+          <p:cNvPicPr>
+            <a:picLocks noChangeAspect="1"/>
+          </p:cNvPicPr>
+          <p:nvPr/>
+        </p:nvPicPr>
+        <p:blipFill>
+          <a:blip r:embed="rId1"/>
+          <a:stretch>
+            <a:fillRect/>
+          </a:stretch>
+        </p:blipFill>
+        <p:spPr>
+          <a:xfrm>
+            <a:off x="3651250" y="1115060"/>
+            <a:ext cx="2669458" cy="1402715"/>
+          </a:xfrm>
+          <a:prstGeom prst="rect">
+            <a:avLst/>
+          </a:prstGeom>
+          <a:ln>
+            <a:solidFill>
+              <a:schemeClr val="accent1"/>
+            </a:solidFill>
+          </a:ln>
+        </p:spPr>
+      </p:pic>
+      <p:sp>
+        <p:nvSpPr>
+          <p:cNvPr id="5" name="文本框 4"/>
+          <p:cNvSpPr txBox="1"/>
+          <p:nvPr/>
+        </p:nvSpPr>
+        <p:spPr>
+          <a:xfrm>
+            <a:off x="238760" y="1710690"/>
+            <a:ext cx="1397000" cy="368300"/>
+          </a:xfrm>
+          <a:prstGeom prst="rect">
+            <a:avLst/>
+          </a:prstGeom>
+          <a:noFill/>
+        </p:spPr>
+        <p:txBody>
+          <a:bodyPr wrap="square" rtlCol="0">
+            <a:spAutoFit/>
+          </a:bodyPr>
+          <a:p>
+            <a:r>
+              <a:rPr lang="en-US" altLang="zh-CN"/>
+              <a:t>10</a:t>
+            </a:r>
+            <a:endParaRPr lang="en-US" altLang="zh-CN"/>
+          </a:p>
+        </p:txBody>
+      </p:sp>
+      <p:sp>
+        <p:nvSpPr>
+          <p:cNvPr id="6" name="文本框 5"/>
+          <p:cNvSpPr txBox="1"/>
+          <p:nvPr/>
+        </p:nvSpPr>
+        <p:spPr>
+          <a:xfrm>
+            <a:off x="4401820" y="308610"/>
+            <a:ext cx="581660" cy="368300"/>
+          </a:xfrm>
+          <a:prstGeom prst="rect">
+            <a:avLst/>
+          </a:prstGeom>
+          <a:noFill/>
+        </p:spPr>
+        <p:txBody>
+          <a:bodyPr wrap="square" rtlCol="0">
+            <a:spAutoFit/>
+          </a:bodyPr>
+          <a:p>
+            <a:r>
+              <a:rPr lang="en-US" altLang="zh-CN"/>
+              <a:t>8</a:t>
+            </a:r>
+            <a:endParaRPr lang="en-US" altLang="zh-CN"/>
+          </a:p>
+        </p:txBody>
+      </p:sp>
+      <p:pic>
+        <p:nvPicPr>
+          <p:cNvPr id="7" name="图片 6"/>
+          <p:cNvPicPr>
+            <a:picLocks noChangeAspect="1"/>
+          </p:cNvPicPr>
+          <p:nvPr/>
+        </p:nvPicPr>
+        <p:blipFill>
+          <a:blip r:embed="rId2"/>
+          <a:stretch>
+            <a:fillRect/>
+          </a:stretch>
+        </p:blipFill>
+        <p:spPr>
+          <a:xfrm>
+            <a:off x="6482080" y="1115060"/>
+            <a:ext cx="2675655" cy="1402715"/>
+          </a:xfrm>
+          <a:prstGeom prst="rect">
+            <a:avLst/>
+          </a:prstGeom>
+          <a:ln>
+            <a:solidFill>
+              <a:schemeClr val="accent1"/>
+            </a:solidFill>
+          </a:ln>
+        </p:spPr>
+      </p:pic>
+      <p:sp>
+        <p:nvSpPr>
+          <p:cNvPr id="8" name="文本框 7"/>
+          <p:cNvSpPr txBox="1"/>
+          <p:nvPr/>
+        </p:nvSpPr>
+        <p:spPr>
+          <a:xfrm>
+            <a:off x="7415530" y="308610"/>
+            <a:ext cx="612140" cy="368300"/>
+          </a:xfrm>
+          <a:prstGeom prst="rect">
+            <a:avLst/>
+          </a:prstGeom>
+          <a:noFill/>
+        </p:spPr>
+        <p:txBody>
+          <a:bodyPr wrap="square" rtlCol="0">
+            <a:spAutoFit/>
+          </a:bodyPr>
+          <a:p>
+            <a:r>
+              <a:rPr lang="en-US" altLang="zh-CN"/>
+              <a:t>16</a:t>
+            </a:r>
+            <a:endParaRPr lang="en-US" altLang="zh-CN"/>
+          </a:p>
+        </p:txBody>
+      </p:sp>
+      <p:pic>
+        <p:nvPicPr>
+          <p:cNvPr id="9" name="图片 8"/>
+          <p:cNvPicPr>
+            <a:picLocks noChangeAspect="1"/>
+          </p:cNvPicPr>
+          <p:nvPr/>
+        </p:nvPicPr>
+        <p:blipFill>
+          <a:blip r:embed="rId3"/>
+          <a:stretch>
+            <a:fillRect/>
+          </a:stretch>
+        </p:blipFill>
+        <p:spPr>
+          <a:xfrm>
+            <a:off x="9319260" y="1115060"/>
+            <a:ext cx="2689850" cy="1402715"/>
+          </a:xfrm>
+          <a:prstGeom prst="rect">
+            <a:avLst/>
+          </a:prstGeom>
+          <a:ln>
+            <a:solidFill>
+              <a:schemeClr val="accent1"/>
+            </a:solidFill>
+          </a:ln>
+        </p:spPr>
+      </p:pic>
+      <p:sp>
+        <p:nvSpPr>
+          <p:cNvPr id="10" name="文本框 9"/>
+          <p:cNvSpPr txBox="1"/>
+          <p:nvPr/>
+        </p:nvSpPr>
+        <p:spPr>
+          <a:xfrm>
+            <a:off x="10459720" y="372110"/>
+            <a:ext cx="619760" cy="368300"/>
+          </a:xfrm>
+          <a:prstGeom prst="rect">
+            <a:avLst/>
+          </a:prstGeom>
+          <a:noFill/>
+        </p:spPr>
+        <p:txBody>
+          <a:bodyPr wrap="square" rtlCol="0">
+            <a:spAutoFit/>
+          </a:bodyPr>
+          <a:p>
+            <a:r>
+              <a:rPr lang="en-US" altLang="zh-CN"/>
+              <a:t>32</a:t>
+            </a:r>
+            <a:endParaRPr lang="en-US" altLang="zh-CN"/>
+          </a:p>
+        </p:txBody>
+      </p:sp>
+      <p:pic>
+        <p:nvPicPr>
+          <p:cNvPr id="34" name="图片 33"/>
+          <p:cNvPicPr>
+            <a:picLocks noChangeAspect="1"/>
+          </p:cNvPicPr>
+          <p:nvPr/>
+        </p:nvPicPr>
+        <p:blipFill>
+          <a:blip r:embed="rId4"/>
+          <a:stretch>
+            <a:fillRect/>
+          </a:stretch>
+        </p:blipFill>
+        <p:spPr>
+          <a:xfrm>
+            <a:off x="822325" y="1115060"/>
+            <a:ext cx="2667868" cy="1402715"/>
+          </a:xfrm>
+          <a:prstGeom prst="rect">
+            <a:avLst/>
+          </a:prstGeom>
+          <a:ln>
+            <a:solidFill>
+              <a:schemeClr val="accent1"/>
+            </a:solidFill>
+          </a:ln>
+        </p:spPr>
+      </p:pic>
+      <p:sp>
+        <p:nvSpPr>
+          <p:cNvPr id="12" name="文本框 11"/>
+          <p:cNvSpPr txBox="1"/>
+          <p:nvPr/>
+        </p:nvSpPr>
+        <p:spPr>
+          <a:xfrm>
+            <a:off x="1937385" y="372110"/>
+            <a:ext cx="498475" cy="368300"/>
+          </a:xfrm>
+          <a:prstGeom prst="rect">
+            <a:avLst/>
+          </a:prstGeom>
+          <a:noFill/>
+        </p:spPr>
+        <p:txBody>
+          <a:bodyPr wrap="square" rtlCol="0">
+            <a:spAutoFit/>
+          </a:bodyPr>
+          <a:p>
+            <a:r>
+              <a:rPr lang="en-US" altLang="zh-CN"/>
+              <a:t>4</a:t>
+            </a:r>
+            <a:endParaRPr lang="en-US" altLang="zh-CN"/>
+          </a:p>
+        </p:txBody>
+      </p:sp>
+      <p:pic>
+        <p:nvPicPr>
+          <p:cNvPr id="13" name="图片 12"/>
+          <p:cNvPicPr>
+            <a:picLocks noChangeAspect="1"/>
+          </p:cNvPicPr>
+          <p:nvPr/>
+        </p:nvPicPr>
+        <p:blipFill>
+          <a:blip r:embed="rId5"/>
+          <a:stretch>
+            <a:fillRect/>
+          </a:stretch>
+        </p:blipFill>
+        <p:spPr>
+          <a:xfrm>
+            <a:off x="-2783205" y="1115060"/>
+            <a:ext cx="2667868" cy="1402715"/>
+          </a:xfrm>
+          <a:prstGeom prst="rect">
+            <a:avLst/>
+          </a:prstGeom>
+          <a:ln>
+            <a:solidFill>
+              <a:schemeClr val="accent1"/>
+            </a:solidFill>
+          </a:ln>
+        </p:spPr>
+      </p:pic>
+      <p:sp>
+        <p:nvSpPr>
+          <p:cNvPr id="14" name="文本框 13"/>
+          <p:cNvSpPr txBox="1"/>
+          <p:nvPr/>
+        </p:nvSpPr>
+        <p:spPr>
+          <a:xfrm>
+            <a:off x="-1713865" y="396240"/>
+            <a:ext cx="4064000" cy="368300"/>
+          </a:xfrm>
+          <a:prstGeom prst="rect">
+            <a:avLst/>
+          </a:prstGeom>
+          <a:noFill/>
+        </p:spPr>
+        <p:txBody>
+          <a:bodyPr wrap="square" rtlCol="0">
+            <a:spAutoFit/>
+          </a:bodyPr>
+          <a:p>
+            <a:r>
+              <a:rPr lang="en-US" altLang="zh-CN"/>
+              <a:t>2</a:t>
+            </a:r>
+            <a:endParaRPr lang="en-US" altLang="zh-CN"/>
+          </a:p>
+        </p:txBody>
+      </p:sp>
     </p:spTree>
   </p:cSld>
   <p:clrMapOvr>
@@ -4197,6 +5710,66 @@
 </file>
 
 <file path=ppt/tags/tag1.xml><?xml version="1.0" encoding="utf-8"?>
+<p:tagLst xmlns:p="http://schemas.openxmlformats.org/presentationml/2006/main">
+  <p:tag name="KSO_WM_DIAGRAM_VIRTUALLY_FRAME" val="{&quot;height&quot;:511.85,&quot;left&quot;:15.95,&quot;top&quot;:8.1,&quot;width&quot;:899.6}"/>
+</p:tagLst>
+</file>
+
+<file path=ppt/tags/tag10.xml><?xml version="1.0" encoding="utf-8"?>
+<p:tagLst xmlns:p="http://schemas.openxmlformats.org/presentationml/2006/main">
+  <p:tag name="KSO_WM_DIAGRAM_VIRTUALLY_FRAME" val="{&quot;height&quot;:511.85,&quot;left&quot;:15.95,&quot;top&quot;:8.1,&quot;width&quot;:899.6}"/>
+</p:tagLst>
+</file>
+
+<file path=ppt/tags/tag11.xml><?xml version="1.0" encoding="utf-8"?>
+<p:tagLst xmlns:p="http://schemas.openxmlformats.org/presentationml/2006/main">
+  <p:tag name="KSO_WM_DIAGRAM_VIRTUALLY_FRAME" val="{&quot;height&quot;:511.85,&quot;left&quot;:15.95,&quot;top&quot;:8.1,&quot;width&quot;:899.6}"/>
+</p:tagLst>
+</file>
+
+<file path=ppt/tags/tag12.xml><?xml version="1.0" encoding="utf-8"?>
+<p:tagLst xmlns:p="http://schemas.openxmlformats.org/presentationml/2006/main">
+  <p:tag name="KSO_WM_DIAGRAM_VIRTUALLY_FRAME" val="{&quot;height&quot;:511.85,&quot;left&quot;:15.95,&quot;top&quot;:8.1,&quot;width&quot;:899.6}"/>
+</p:tagLst>
+</file>
+
+<file path=ppt/tags/tag13.xml><?xml version="1.0" encoding="utf-8"?>
+<p:tagLst xmlns:p="http://schemas.openxmlformats.org/presentationml/2006/main">
+  <p:tag name="KSO_WM_DIAGRAM_VIRTUALLY_FRAME" val="{&quot;height&quot;:511.85,&quot;left&quot;:15.95,&quot;top&quot;:8.1,&quot;width&quot;:899.6}"/>
+</p:tagLst>
+</file>
+
+<file path=ppt/tags/tag14.xml><?xml version="1.0" encoding="utf-8"?>
+<p:tagLst xmlns:p="http://schemas.openxmlformats.org/presentationml/2006/main">
+  <p:tag name="KSO_WM_DIAGRAM_VIRTUALLY_FRAME" val="{&quot;height&quot;:511.85,&quot;left&quot;:15.95,&quot;top&quot;:8.1,&quot;width&quot;:899.6}"/>
+</p:tagLst>
+</file>
+
+<file path=ppt/tags/tag15.xml><?xml version="1.0" encoding="utf-8"?>
+<p:tagLst xmlns:p="http://schemas.openxmlformats.org/presentationml/2006/main">
+  <p:tag name="KSO_WM_DIAGRAM_VIRTUALLY_FRAME" val="{&quot;height&quot;:511.85,&quot;left&quot;:15.95,&quot;top&quot;:8.1,&quot;width&quot;:899.6}"/>
+</p:tagLst>
+</file>
+
+<file path=ppt/tags/tag16.xml><?xml version="1.0" encoding="utf-8"?>
+<p:tagLst xmlns:p="http://schemas.openxmlformats.org/presentationml/2006/main">
+  <p:tag name="KSO_WM_DIAGRAM_VIRTUALLY_FRAME" val="{&quot;height&quot;:511.85,&quot;left&quot;:15.95,&quot;top&quot;:8.1,&quot;width&quot;:899.6}"/>
+</p:tagLst>
+</file>
+
+<file path=ppt/tags/tag17.xml><?xml version="1.0" encoding="utf-8"?>
+<p:tagLst xmlns:p="http://schemas.openxmlformats.org/presentationml/2006/main">
+  <p:tag name="KSO_WM_DIAGRAM_VIRTUALLY_FRAME" val="{&quot;height&quot;:511.85,&quot;left&quot;:15.95,&quot;top&quot;:8.1,&quot;width&quot;:899.6}"/>
+</p:tagLst>
+</file>
+
+<file path=ppt/tags/tag18.xml><?xml version="1.0" encoding="utf-8"?>
+<p:tagLst xmlns:p="http://schemas.openxmlformats.org/presentationml/2006/main">
+  <p:tag name="KSO_WM_DIAGRAM_VIRTUALLY_FRAME" val="{&quot;height&quot;:511.85,&quot;left&quot;:15.95,&quot;top&quot;:8.1,&quot;width&quot;:899.6}"/>
+</p:tagLst>
+</file>
+
+<file path=ppt/tags/tag19.xml><?xml version="1.0" encoding="utf-8"?>
 <p:tagLst xmlns:p="http://schemas.openxmlformats.org/presentationml/2006/main">
   <p:tag name="KSO_WM_DIAGRAM_VIRTUALLY_FRAME" val="{&quot;height&quot;:511.85,&quot;left&quot;:15.95,&quot;top&quot;:8.1,&quot;width&quot;:899.6}"/>
 </p:tagLst>
@@ -4215,6 +5788,36 @@
 </file>
 
 <file path=ppt/tags/tag4.xml><?xml version="1.0" encoding="utf-8"?>
+<p:tagLst xmlns:p="http://schemas.openxmlformats.org/presentationml/2006/main">
+  <p:tag name="KSO_WM_DIAGRAM_VIRTUALLY_FRAME" val="{&quot;height&quot;:511.85,&quot;left&quot;:15.95,&quot;top&quot;:8.1,&quot;width&quot;:899.6}"/>
+</p:tagLst>
+</file>
+
+<file path=ppt/tags/tag5.xml><?xml version="1.0" encoding="utf-8"?>
+<p:tagLst xmlns:p="http://schemas.openxmlformats.org/presentationml/2006/main">
+  <p:tag name="KSO_WM_DIAGRAM_VIRTUALLY_FRAME" val="{&quot;height&quot;:511.85,&quot;left&quot;:15.95,&quot;top&quot;:8.1,&quot;width&quot;:899.6}"/>
+</p:tagLst>
+</file>
+
+<file path=ppt/tags/tag6.xml><?xml version="1.0" encoding="utf-8"?>
+<p:tagLst xmlns:p="http://schemas.openxmlformats.org/presentationml/2006/main">
+  <p:tag name="KSO_WM_DIAGRAM_VIRTUALLY_FRAME" val="{&quot;height&quot;:511.85,&quot;left&quot;:15.95,&quot;top&quot;:8.1,&quot;width&quot;:899.6}"/>
+</p:tagLst>
+</file>
+
+<file path=ppt/tags/tag7.xml><?xml version="1.0" encoding="utf-8"?>
+<p:tagLst xmlns:p="http://schemas.openxmlformats.org/presentationml/2006/main">
+  <p:tag name="KSO_WM_DIAGRAM_VIRTUALLY_FRAME" val="{&quot;height&quot;:511.85,&quot;left&quot;:15.95,&quot;top&quot;:8.1,&quot;width&quot;:899.6}"/>
+</p:tagLst>
+</file>
+
+<file path=ppt/tags/tag8.xml><?xml version="1.0" encoding="utf-8"?>
+<p:tagLst xmlns:p="http://schemas.openxmlformats.org/presentationml/2006/main">
+  <p:tag name="KSO_WM_DIAGRAM_VIRTUALLY_FRAME" val="{&quot;height&quot;:511.85,&quot;left&quot;:15.95,&quot;top&quot;:8.1,&quot;width&quot;:899.6}"/>
+</p:tagLst>
+</file>
+
+<file path=ppt/tags/tag9.xml><?xml version="1.0" encoding="utf-8"?>
 <p:tagLst xmlns:p="http://schemas.openxmlformats.org/presentationml/2006/main">
   <p:tag name="KSO_WM_DIAGRAM_VIRTUALLY_FRAME" val="{&quot;height&quot;:511.85,&quot;left&quot;:15.95,&quot;top&quot;:8.1,&quot;width&quot;:899.6}"/>
 </p:tagLst>

--- a/analysis/energy.pptx
+++ b/analysis/energy.pptx
@@ -4426,6 +4426,59 @@
           <a:xfrm>
             <a:off x="14224635" y="2263140"/>
             <a:ext cx="4064000" cy="368300"/>
+          </a:xfrm>
+          <a:prstGeom prst="rect">
+            <a:avLst/>
+          </a:prstGeom>
+          <a:noFill/>
+        </p:spPr>
+        <p:txBody>
+          <a:bodyPr wrap="square" rtlCol="0">
+            <a:spAutoFit/>
+          </a:bodyPr>
+          <a:p>
+            <a:r>
+              <a:rPr lang="en-US" altLang="zh-CN"/>
+              <a:t>128</a:t>
+            </a:r>
+            <a:endParaRPr lang="en-US" altLang="zh-CN"/>
+          </a:p>
+        </p:txBody>
+      </p:sp>
+      <p:pic>
+        <p:nvPicPr>
+          <p:cNvPr id="34" name="图片 33"/>
+          <p:cNvPicPr>
+            <a:picLocks noChangeAspect="1"/>
+          </p:cNvPicPr>
+          <p:nvPr/>
+        </p:nvPicPr>
+        <p:blipFill>
+          <a:blip r:embed="rId24"/>
+          <a:stretch>
+            <a:fillRect/>
+          </a:stretch>
+        </p:blipFill>
+        <p:spPr>
+          <a:xfrm>
+            <a:off x="15953740" y="471170"/>
+            <a:ext cx="2667599" cy="1402715"/>
+          </a:xfrm>
+          <a:prstGeom prst="rect">
+            <a:avLst/>
+          </a:prstGeom>
+        </p:spPr>
+      </p:pic>
+      <p:sp>
+        <p:nvSpPr>
+          <p:cNvPr id="37" name="文本框 36"/>
+          <p:cNvSpPr txBox="1"/>
+          <p:nvPr/>
+        </p:nvSpPr>
+        <p:spPr>
+          <a:xfrm>
+            <a:off x="17802225" y="607695"/>
+            <a:ext cx="589280" cy="368300"/>
           </a:xfrm>
           <a:prstGeom prst="rect">
             <a:avLst/>
